--- a/basics1/results/reproducible-research.pptx
+++ b/basics1/results/reproducible-research.pptx
@@ -278,7 +278,7 @@
           <a:p>
             <a:fld id="{0F9C1CCF-B725-44A7-AA57-5E433BD85C9F}" type="datetimeFigureOut">
               <a:rPr lang="en-US" smtClean="0"/>
-              <a:t>2/17/2018</a:t>
+              <a:t>4/5/2019</a:t>
             </a:fld>
             <a:endParaRPr lang="en-US"/>
           </a:p>
@@ -15139,7 +15139,7 @@
           <a:p>
             <a:fld id="{241EB5C9-1307-BA42-ABA2-0BC069CD8E7F}" type="datetimeFigureOut">
               <a:rPr lang="en-US" smtClean="0"/>
-              <a:t>2/17/2018</a:t>
+              <a:t>4/5/2019</a:t>
             </a:fld>
             <a:endParaRPr lang="en-US"/>
           </a:p>
@@ -15309,7 +15309,7 @@
           <a:p>
             <a:fld id="{241EB5C9-1307-BA42-ABA2-0BC069CD8E7F}" type="datetimeFigureOut">
               <a:rPr lang="en-US" smtClean="0"/>
-              <a:t>2/17/2018</a:t>
+              <a:t>4/5/2019</a:t>
             </a:fld>
             <a:endParaRPr lang="en-US"/>
           </a:p>
@@ -15489,7 +15489,7 @@
           <a:p>
             <a:fld id="{241EB5C9-1307-BA42-ABA2-0BC069CD8E7F}" type="datetimeFigureOut">
               <a:rPr lang="en-US" smtClean="0"/>
-              <a:t>2/17/2018</a:t>
+              <a:t>4/5/2019</a:t>
             </a:fld>
             <a:endParaRPr lang="en-US"/>
           </a:p>
@@ -15659,7 +15659,7 @@
           <a:p>
             <a:fld id="{241EB5C9-1307-BA42-ABA2-0BC069CD8E7F}" type="datetimeFigureOut">
               <a:rPr lang="en-US" smtClean="0"/>
-              <a:t>2/17/2018</a:t>
+              <a:t>4/5/2019</a:t>
             </a:fld>
             <a:endParaRPr lang="en-US"/>
           </a:p>
@@ -15905,7 +15905,7 @@
           <a:p>
             <a:fld id="{241EB5C9-1307-BA42-ABA2-0BC069CD8E7F}" type="datetimeFigureOut">
               <a:rPr lang="en-US" smtClean="0"/>
-              <a:t>2/17/2018</a:t>
+              <a:t>4/5/2019</a:t>
             </a:fld>
             <a:endParaRPr lang="en-US"/>
           </a:p>
@@ -16193,7 +16193,7 @@
           <a:p>
             <a:fld id="{241EB5C9-1307-BA42-ABA2-0BC069CD8E7F}" type="datetimeFigureOut">
               <a:rPr lang="en-US" smtClean="0"/>
-              <a:t>2/17/2018</a:t>
+              <a:t>4/5/2019</a:t>
             </a:fld>
             <a:endParaRPr lang="en-US"/>
           </a:p>
@@ -16615,7 +16615,7 @@
           <a:p>
             <a:fld id="{241EB5C9-1307-BA42-ABA2-0BC069CD8E7F}" type="datetimeFigureOut">
               <a:rPr lang="en-US" smtClean="0"/>
-              <a:t>2/17/2018</a:t>
+              <a:t>4/5/2019</a:t>
             </a:fld>
             <a:endParaRPr lang="en-US"/>
           </a:p>
@@ -16733,7 +16733,7 @@
           <a:p>
             <a:fld id="{241EB5C9-1307-BA42-ABA2-0BC069CD8E7F}" type="datetimeFigureOut">
               <a:rPr lang="en-US" smtClean="0"/>
-              <a:t>2/17/2018</a:t>
+              <a:t>4/5/2019</a:t>
             </a:fld>
             <a:endParaRPr lang="en-US"/>
           </a:p>
@@ -16828,7 +16828,7 @@
           <a:p>
             <a:fld id="{241EB5C9-1307-BA42-ABA2-0BC069CD8E7F}" type="datetimeFigureOut">
               <a:rPr lang="en-US" smtClean="0"/>
-              <a:t>2/17/2018</a:t>
+              <a:t>4/5/2019</a:t>
             </a:fld>
             <a:endParaRPr lang="en-US"/>
           </a:p>
@@ -17105,7 +17105,7 @@
           <a:p>
             <a:fld id="{241EB5C9-1307-BA42-ABA2-0BC069CD8E7F}" type="datetimeFigureOut">
               <a:rPr lang="en-US" smtClean="0"/>
-              <a:t>2/17/2018</a:t>
+              <a:t>4/5/2019</a:t>
             </a:fld>
             <a:endParaRPr lang="en-US"/>
           </a:p>
@@ -17358,7 +17358,7 @@
           <a:p>
             <a:fld id="{241EB5C9-1307-BA42-ABA2-0BC069CD8E7F}" type="datetimeFigureOut">
               <a:rPr lang="en-US" smtClean="0"/>
-              <a:t>2/17/2018</a:t>
+              <a:t>4/5/2019</a:t>
             </a:fld>
             <a:endParaRPr lang="en-US"/>
           </a:p>
@@ -17571,7 +17571,7 @@
           <a:p>
             <a:fld id="{241EB5C9-1307-BA42-ABA2-0BC069CD8E7F}" type="datetimeFigureOut">
               <a:rPr lang="en-US" smtClean="0"/>
-              <a:t>2/17/2018</a:t>
+              <a:t>4/5/2019</a:t>
             </a:fld>
             <a:endParaRPr lang="en-US"/>
           </a:p>
@@ -18464,7 +18464,7 @@
         <p:spPr bwMode="auto">
           <a:xfrm>
             <a:off x="1689100" y="1600200"/>
-            <a:ext cx="5765800" cy="4013200"/>
+            <a:ext cx="5753100" cy="4013200"/>
           </a:xfrm>
           <a:prstGeom prst="rect">
             <a:avLst/>
@@ -20548,7 +20548,7 @@
         <p:spPr bwMode="auto">
           <a:xfrm>
             <a:off x="571500" y="1600200"/>
-            <a:ext cx="8013700" cy="4521200"/>
+            <a:ext cx="8001000" cy="4521200"/>
           </a:xfrm>
           <a:prstGeom prst="rect">
             <a:avLst/>
@@ -23233,7 +23233,7 @@
         </p:blipFill>
         <p:spPr bwMode="auto">
           <a:xfrm>
-            <a:off x="2857500" y="1600200"/>
+            <a:off x="2870200" y="1600200"/>
             <a:ext cx="3416300" cy="4013200"/>
           </a:xfrm>
           <a:prstGeom prst="rect">
@@ -24795,7 +24795,7 @@
         <p:spPr bwMode="auto">
           <a:xfrm>
             <a:off x="457200" y="2552700"/>
-            <a:ext cx="8229600" cy="2108200"/>
+            <a:ext cx="8229600" cy="2120900"/>
           </a:xfrm>
           <a:prstGeom prst="rect">
             <a:avLst/>
@@ -25122,8 +25122,8 @@
         </p:blipFill>
         <p:spPr bwMode="auto">
           <a:xfrm>
-            <a:off x="1892300" y="1600200"/>
-            <a:ext cx="5372100" cy="4521200"/>
+            <a:off x="1879600" y="1600200"/>
+            <a:ext cx="5384800" cy="4521200"/>
           </a:xfrm>
           <a:prstGeom prst="rect">
             <a:avLst/>
@@ -25817,7 +25817,7 @@
         <p:spPr bwMode="auto">
           <a:xfrm>
             <a:off x="863600" y="1600200"/>
-            <a:ext cx="7404100" cy="4521200"/>
+            <a:ext cx="7416800" cy="4521200"/>
           </a:xfrm>
           <a:prstGeom prst="rect">
             <a:avLst/>
@@ -26270,7 +26270,7 @@
         <p:spPr bwMode="auto">
           <a:xfrm>
             <a:off x="2057400" y="1600200"/>
-            <a:ext cx="5029200" cy="4521200"/>
+            <a:ext cx="5016500" cy="4521200"/>
           </a:xfrm>
           <a:prstGeom prst="rect">
             <a:avLst/>
@@ -26346,7 +26346,7 @@
         </p:blipFill>
         <p:spPr bwMode="auto">
           <a:xfrm>
-            <a:off x="1104900" y="1600200"/>
+            <a:off x="1117600" y="1600200"/>
             <a:ext cx="6921500" cy="4521200"/>
           </a:xfrm>
           <a:prstGeom prst="rect">
@@ -26423,7 +26423,7 @@
         </p:blipFill>
         <p:spPr bwMode="auto">
           <a:xfrm>
-            <a:off x="1841500" y="1600200"/>
+            <a:off x="1854200" y="1600200"/>
             <a:ext cx="5448300" cy="4521200"/>
           </a:xfrm>
           <a:prstGeom prst="rect">

--- a/basics1/results/reproducible-research.pptx
+++ b/basics1/results/reproducible-research.pptx
@@ -589,6 +589,28 @@
         <p:txBody>
           <a:bodyPr/>
           <a:lstStyle/>
+          <a:p>
+            <a:pPr lvl="0" marL="0" indent="0">
+              <a:buNone/>
+            </a:pPr>
+            <a:r>
+              <a:rPr/>
+              <a:t>[[Speaker</a:t>
+            </a:r>
+            <a:r>
+              <a:rPr/>
+              <a:t> </a:t>
+            </a:r>
+            <a:r>
+              <a:rPr/>
+              <a:t>notes]]</a:t>
+            </a:r>
+          </a:p>
+          <a:p>
+            <a:pPr lvl="0" marL="0" indent="0">
+              <a:buNone/>
+            </a:pPr>
+          </a:p>
           <a:p>
             <a:pPr lvl="0" marL="0" indent="0">
               <a:buNone/>
